--- a/vdom.pptx
+++ b/vdom.pptx
@@ -5,10 +5,10 @@
     <p:sldMasterId id="2147483648" r:id="rId1"/>
   </p:sldMasterIdLst>
   <p:notesMasterIdLst>
-    <p:notesMasterId r:id="rId15"/>
+    <p:notesMasterId r:id="rId17"/>
   </p:notesMasterIdLst>
   <p:handoutMasterIdLst>
-    <p:handoutMasterId r:id="rId16"/>
+    <p:handoutMasterId r:id="rId18"/>
   </p:handoutMasterIdLst>
   <p:sldIdLst>
     <p:sldId id="273" r:id="rId2"/>
@@ -22,8 +22,10 @@
     <p:sldId id="282" r:id="rId10"/>
     <p:sldId id="283" r:id="rId11"/>
     <p:sldId id="284" r:id="rId12"/>
-    <p:sldId id="285" r:id="rId13"/>
-    <p:sldId id="260" r:id="rId14"/>
+    <p:sldId id="286" r:id="rId13"/>
+    <p:sldId id="285" r:id="rId14"/>
+    <p:sldId id="287" r:id="rId15"/>
+    <p:sldId id="260" r:id="rId16"/>
   </p:sldIdLst>
   <p:sldSz cx="12192000" cy="6858000"/>
   <p:notesSz cx="6858000" cy="9144000"/>
@@ -138,7 +140,9 @@
             <p14:sldId id="282"/>
             <p14:sldId id="283"/>
             <p14:sldId id="284"/>
+            <p14:sldId id="286"/>
             <p14:sldId id="285"/>
+            <p14:sldId id="287"/>
             <p14:sldId id="260"/>
           </p14:sldIdLst>
         </p14:section>
@@ -146,7 +150,7 @@
     </p:ext>
     <p:ext uri="{EFAFB233-063F-42B5-8137-9DF3F51BA10A}">
       <p15:sldGuideLst xmlns:p15="http://schemas.microsoft.com/office/powerpoint/2012/main">
-        <p15:guide id="1" orient="horz" pos="2160">
+        <p15:guide id="1" orient="horz" pos="2183" userDrawn="1">
           <p15:clr>
             <a:srgbClr val="A4A3A4"/>
           </p15:clr>
@@ -1040,7 +1044,183 @@
     </p:spTree>
     <p:extLst>
       <p:ext uri="{BB962C8B-B14F-4D97-AF65-F5344CB8AC3E}">
+        <p14:creationId xmlns:p14="http://schemas.microsoft.com/office/powerpoint/2010/main" val="3817548379"/>
+      </p:ext>
+    </p:extLst>
+  </p:cSld>
+  <p:clrMapOvr>
+    <a:masterClrMapping/>
+  </p:clrMapOvr>
+</p:notes>
+</file>
+
+<file path=ppt/notesSlides/notesSlide13.xml><?xml version="1.0" encoding="utf-8"?>
+<p:notes xmlns:a="http://schemas.openxmlformats.org/drawingml/2006/main" xmlns:r="http://schemas.openxmlformats.org/officeDocument/2006/relationships" xmlns:p="http://schemas.openxmlformats.org/presentationml/2006/main">
+  <p:cSld>
+    <p:spTree>
+      <p:nvGrpSpPr>
+        <p:cNvPr id="1" name=""/>
+        <p:cNvGrpSpPr/>
+        <p:nvPr/>
+      </p:nvGrpSpPr>
+      <p:grpSpPr>
+        <a:xfrm>
+          <a:off x="0" y="0"/>
+          <a:ext cx="0" cy="0"/>
+          <a:chOff x="0" y="0"/>
+          <a:chExt cx="0" cy="0"/>
+        </a:xfrm>
+      </p:grpSpPr>
+      <p:sp>
+        <p:nvSpPr>
+          <p:cNvPr id="2" name="幻灯片图像占位符 1"/>
+          <p:cNvSpPr>
+            <a:spLocks noGrp="1" noRot="1" noChangeAspect="1"/>
+          </p:cNvSpPr>
+          <p:nvPr>
+            <p:ph type="sldImg"/>
+          </p:nvPr>
+        </p:nvSpPr>
+        <p:spPr/>
+      </p:sp>
+      <p:sp>
+        <p:nvSpPr>
+          <p:cNvPr id="3" name="备注占位符 2"/>
+          <p:cNvSpPr>
+            <a:spLocks noGrp="1"/>
+          </p:cNvSpPr>
+          <p:nvPr>
+            <p:ph type="body" idx="1"/>
+          </p:nvPr>
+        </p:nvSpPr>
+        <p:spPr/>
+        <p:txBody>
+          <a:bodyPr/>
+          <a:lstStyle/>
+          <a:p>
+            <a:r>
+              <a:rPr lang="en-US" altLang="zh-CN" dirty="0" smtClean="0"/>
+              <a:t>DIV</a:t>
+            </a:r>
+            <a:endParaRPr lang="zh-CN" altLang="en-US" dirty="0"/>
+          </a:p>
+        </p:txBody>
+      </p:sp>
+      <p:sp>
+        <p:nvSpPr>
+          <p:cNvPr id="4" name="灯片编号占位符 3"/>
+          <p:cNvSpPr>
+            <a:spLocks noGrp="1"/>
+          </p:cNvSpPr>
+          <p:nvPr>
+            <p:ph type="sldNum" sz="quarter" idx="10"/>
+          </p:nvPr>
+        </p:nvSpPr>
+        <p:spPr/>
+        <p:txBody>
+          <a:bodyPr/>
+          <a:lstStyle/>
+          <a:p>
+            <a:fld id="{DBA85D35-134F-AE46-96E2-91156A1A0CD6}" type="slidenum">
+              <a:rPr kumimoji="1" lang="zh-CN" altLang="en-US" smtClean="0"/>
+              <a:t>13</a:t>
+            </a:fld>
+            <a:endParaRPr kumimoji="1" lang="zh-CN" altLang="en-US"/>
+          </a:p>
+        </p:txBody>
+      </p:sp>
+    </p:spTree>
+    <p:extLst>
+      <p:ext uri="{BB962C8B-B14F-4D97-AF65-F5344CB8AC3E}">
         <p14:creationId xmlns:p14="http://schemas.microsoft.com/office/powerpoint/2010/main" val="1093662755"/>
+      </p:ext>
+    </p:extLst>
+  </p:cSld>
+  <p:clrMapOvr>
+    <a:masterClrMapping/>
+  </p:clrMapOvr>
+</p:notes>
+</file>
+
+<file path=ppt/notesSlides/notesSlide14.xml><?xml version="1.0" encoding="utf-8"?>
+<p:notes xmlns:a="http://schemas.openxmlformats.org/drawingml/2006/main" xmlns:r="http://schemas.openxmlformats.org/officeDocument/2006/relationships" xmlns:p="http://schemas.openxmlformats.org/presentationml/2006/main">
+  <p:cSld>
+    <p:spTree>
+      <p:nvGrpSpPr>
+        <p:cNvPr id="1" name=""/>
+        <p:cNvGrpSpPr/>
+        <p:nvPr/>
+      </p:nvGrpSpPr>
+      <p:grpSpPr>
+        <a:xfrm>
+          <a:off x="0" y="0"/>
+          <a:ext cx="0" cy="0"/>
+          <a:chOff x="0" y="0"/>
+          <a:chExt cx="0" cy="0"/>
+        </a:xfrm>
+      </p:grpSpPr>
+      <p:sp>
+        <p:nvSpPr>
+          <p:cNvPr id="2" name="幻灯片图像占位符 1"/>
+          <p:cNvSpPr>
+            <a:spLocks noGrp="1" noRot="1" noChangeAspect="1"/>
+          </p:cNvSpPr>
+          <p:nvPr>
+            <p:ph type="sldImg"/>
+          </p:nvPr>
+        </p:nvSpPr>
+        <p:spPr/>
+      </p:sp>
+      <p:sp>
+        <p:nvSpPr>
+          <p:cNvPr id="3" name="备注占位符 2"/>
+          <p:cNvSpPr>
+            <a:spLocks noGrp="1"/>
+          </p:cNvSpPr>
+          <p:nvPr>
+            <p:ph type="body" idx="1"/>
+          </p:nvPr>
+        </p:nvSpPr>
+        <p:spPr/>
+        <p:txBody>
+          <a:bodyPr/>
+          <a:lstStyle/>
+          <a:p>
+            <a:r>
+              <a:rPr lang="en-US" altLang="zh-CN" dirty="0" smtClean="0"/>
+              <a:t>DIV</a:t>
+            </a:r>
+            <a:endParaRPr lang="zh-CN" altLang="en-US" dirty="0"/>
+          </a:p>
+        </p:txBody>
+      </p:sp>
+      <p:sp>
+        <p:nvSpPr>
+          <p:cNvPr id="4" name="灯片编号占位符 3"/>
+          <p:cNvSpPr>
+            <a:spLocks noGrp="1"/>
+          </p:cNvSpPr>
+          <p:nvPr>
+            <p:ph type="sldNum" sz="quarter" idx="10"/>
+          </p:nvPr>
+        </p:nvSpPr>
+        <p:spPr/>
+        <p:txBody>
+          <a:bodyPr/>
+          <a:lstStyle/>
+          <a:p>
+            <a:fld id="{DBA85D35-134F-AE46-96E2-91156A1A0CD6}" type="slidenum">
+              <a:rPr kumimoji="1" lang="zh-CN" altLang="en-US" smtClean="0"/>
+              <a:t>14</a:t>
+            </a:fld>
+            <a:endParaRPr kumimoji="1" lang="zh-CN" altLang="en-US"/>
+          </a:p>
+        </p:txBody>
+      </p:sp>
+    </p:spTree>
+    <p:extLst>
+      <p:ext uri="{BB962C8B-B14F-4D97-AF65-F5344CB8AC3E}">
+        <p14:creationId xmlns:p14="http://schemas.microsoft.com/office/powerpoint/2010/main" val="3765064234"/>
       </p:ext>
     </p:extLst>
   </p:cSld>
@@ -3079,7 +3259,7 @@
           <p:cNvPr id="2" name="标题 1">
             <a:extLst>
               <a:ext uri="{FF2B5EF4-FFF2-40B4-BE49-F238E27FC236}">
-                <a16:creationId xmlns:a16="http://schemas.microsoft.com/office/drawing/2014/main" xmlns="" id="{1DA39BA1-519E-4DD2-9A56-C547517D4F27}"/>
+                <a16:creationId xmlns="" xmlns:a16="http://schemas.microsoft.com/office/drawing/2014/main" id="{1DA39BA1-519E-4DD2-9A56-C547517D4F27}"/>
               </a:ext>
             </a:extLst>
           </p:cNvPr>
@@ -3249,7 +3429,7 @@
           <p:cNvPr id="2" name="标题 1">
             <a:extLst>
               <a:ext uri="{FF2B5EF4-FFF2-40B4-BE49-F238E27FC236}">
-                <a16:creationId xmlns:a16="http://schemas.microsoft.com/office/drawing/2014/main" xmlns="" id="{1DA39BA1-519E-4DD2-9A56-C547517D4F27}"/>
+                <a16:creationId xmlns="" xmlns:a16="http://schemas.microsoft.com/office/drawing/2014/main" id="{1DA39BA1-519E-4DD2-9A56-C547517D4F27}"/>
               </a:ext>
             </a:extLst>
           </p:cNvPr>
@@ -3436,7 +3616,7 @@
           <p:cNvPr id="2" name="标题 1">
             <a:extLst>
               <a:ext uri="{FF2B5EF4-FFF2-40B4-BE49-F238E27FC236}">
-                <a16:creationId xmlns:a16="http://schemas.microsoft.com/office/drawing/2014/main" xmlns="" id="{1DA39BA1-519E-4DD2-9A56-C547517D4F27}"/>
+                <a16:creationId xmlns="" xmlns:a16="http://schemas.microsoft.com/office/drawing/2014/main" id="{1DA39BA1-519E-4DD2-9A56-C547517D4F27}"/>
               </a:ext>
             </a:extLst>
           </p:cNvPr>
@@ -3494,7 +3674,7 @@
         <p:spPr>
           <a:xfrm flipH="1">
             <a:off x="1097279" y="1473533"/>
-            <a:ext cx="10128737" cy="369332"/>
+            <a:ext cx="10128737" cy="923330"/>
           </a:xfrm>
           <a:prstGeom prst="rect">
             <a:avLst/>
@@ -3527,7 +3707,7 @@
                 <a:ea typeface="Microsoft YaHei" charset="0"/>
                 <a:cs typeface="Microsoft YaHei" charset="0"/>
               </a:rPr>
-              <a:t>中的虚拟</a:t>
+              <a:t>中使用虚拟</a:t>
             </a:r>
             <a:r>
               <a:rPr kumimoji="1" lang="en-US" altLang="zh-CN" dirty="0" smtClean="0">
@@ -3539,6 +3719,93 @@
                 <a:cs typeface="Microsoft YaHei" charset="0"/>
               </a:rPr>
               <a:t>DOM</a:t>
+            </a:r>
+            <a:r>
+              <a:rPr kumimoji="1" lang="zh-CN" altLang="en-US" dirty="0" smtClean="0">
+                <a:solidFill>
+                  <a:srgbClr val="008BF9"/>
+                </a:solidFill>
+                <a:latin typeface="Microsoft YaHei" charset="0"/>
+                <a:ea typeface="Microsoft YaHei" charset="0"/>
+                <a:cs typeface="Microsoft YaHei" charset="0"/>
+              </a:rPr>
+              <a:t>的主要原因：</a:t>
+            </a:r>
+            <a:endParaRPr kumimoji="1" lang="en-US" altLang="zh-CN" dirty="0" smtClean="0">
+              <a:solidFill>
+                <a:srgbClr val="008BF9"/>
+              </a:solidFill>
+              <a:latin typeface="Microsoft YaHei" charset="0"/>
+              <a:ea typeface="Microsoft YaHei" charset="0"/>
+              <a:cs typeface="Microsoft YaHei" charset="0"/>
+            </a:endParaRPr>
+          </a:p>
+          <a:p>
+            <a:r>
+              <a:rPr kumimoji="1" lang="en-US" altLang="zh-CN" dirty="0">
+                <a:solidFill>
+                  <a:srgbClr val="008BF9"/>
+                </a:solidFill>
+                <a:latin typeface="Microsoft YaHei" charset="0"/>
+                <a:ea typeface="Microsoft YaHei" charset="0"/>
+                <a:cs typeface="Microsoft YaHei" charset="0"/>
+              </a:rPr>
+              <a:t>	</a:t>
+            </a:r>
+            <a:r>
+              <a:rPr kumimoji="1" lang="en-US" altLang="zh-CN" dirty="0" err="1" smtClean="0">
+                <a:solidFill>
+                  <a:srgbClr val="008BF9"/>
+                </a:solidFill>
+                <a:latin typeface="Microsoft YaHei" charset="0"/>
+                <a:ea typeface="Microsoft YaHei" charset="0"/>
+                <a:cs typeface="Microsoft YaHei" charset="0"/>
+              </a:rPr>
+              <a:t>vdom</a:t>
+            </a:r>
+            <a:r>
+              <a:rPr kumimoji="1" lang="en-US" altLang="zh-CN" dirty="0" smtClean="0">
+                <a:solidFill>
+                  <a:srgbClr val="008BF9"/>
+                </a:solidFill>
+                <a:latin typeface="Microsoft YaHei" charset="0"/>
+                <a:ea typeface="Microsoft YaHei" charset="0"/>
+                <a:cs typeface="Microsoft YaHei" charset="0"/>
+              </a:rPr>
+              <a:t> </a:t>
+            </a:r>
+            <a:r>
+              <a:rPr kumimoji="1" lang="zh-CN" altLang="en-US" dirty="0">
+                <a:solidFill>
+                  <a:srgbClr val="008BF9"/>
+                </a:solidFill>
+                <a:latin typeface="Microsoft YaHei" charset="0"/>
+                <a:ea typeface="Microsoft YaHei" charset="0"/>
+                <a:cs typeface="Microsoft YaHei" charset="0"/>
+              </a:rPr>
+              <a:t>把渲染过程抽象化了，从而使得组件的抽象能力也得到提升，并且可以适配 </a:t>
+            </a:r>
+            <a:r>
+              <a:rPr kumimoji="1" lang="en-US" altLang="zh-CN" dirty="0">
+                <a:solidFill>
+                  <a:srgbClr val="008BF9"/>
+                </a:solidFill>
+                <a:latin typeface="Microsoft YaHei" charset="0"/>
+                <a:ea typeface="Microsoft YaHei" charset="0"/>
+                <a:cs typeface="Microsoft YaHei" charset="0"/>
+              </a:rPr>
+              <a:t>DOM </a:t>
+            </a:r>
+            <a:r>
+              <a:rPr kumimoji="1" lang="zh-CN" altLang="en-US" dirty="0">
+                <a:solidFill>
+                  <a:srgbClr val="008BF9"/>
+                </a:solidFill>
+                <a:latin typeface="Microsoft YaHei" charset="0"/>
+                <a:ea typeface="Microsoft YaHei" charset="0"/>
+                <a:cs typeface="Microsoft YaHei" charset="0"/>
+              </a:rPr>
+              <a:t>以外的渲染目标。</a:t>
             </a:r>
             <a:endParaRPr kumimoji="1" lang="zh-CN" altLang="en-US" dirty="0">
               <a:solidFill>
@@ -3551,6 +3818,211 @@
           </a:p>
         </p:txBody>
       </p:sp>
+    </p:spTree>
+    <p:extLst>
+      <p:ext uri="{BB962C8B-B14F-4D97-AF65-F5344CB8AC3E}">
+        <p14:creationId xmlns:p14="http://schemas.microsoft.com/office/powerpoint/2010/main" val="455328803"/>
+      </p:ext>
+    </p:extLst>
+  </p:cSld>
+  <p:clrMapOvr>
+    <a:masterClrMapping/>
+  </p:clrMapOvr>
+  <p:timing>
+    <p:tnLst>
+      <p:par>
+        <p:cTn id="1" dur="indefinite" restart="never" nodeType="tmRoot"/>
+      </p:par>
+    </p:tnLst>
+  </p:timing>
+</p:sld>
+</file>
+
+<file path=ppt/slides/slide13.xml><?xml version="1.0" encoding="utf-8"?>
+<p:sld xmlns:a="http://schemas.openxmlformats.org/drawingml/2006/main" xmlns:r="http://schemas.openxmlformats.org/officeDocument/2006/relationships" xmlns:p="http://schemas.openxmlformats.org/presentationml/2006/main">
+  <p:cSld>
+    <p:spTree>
+      <p:nvGrpSpPr>
+        <p:cNvPr id="1" name=""/>
+        <p:cNvGrpSpPr/>
+        <p:nvPr/>
+      </p:nvGrpSpPr>
+      <p:grpSpPr>
+        <a:xfrm>
+          <a:off x="0" y="0"/>
+          <a:ext cx="0" cy="0"/>
+          <a:chOff x="0" y="0"/>
+          <a:chExt cx="0" cy="0"/>
+        </a:xfrm>
+      </p:grpSpPr>
+      <p:sp>
+        <p:nvSpPr>
+          <p:cNvPr id="2" name="标题 1">
+            <a:extLst>
+              <a:ext uri="{FF2B5EF4-FFF2-40B4-BE49-F238E27FC236}">
+                <a16:creationId xmlns="" xmlns:a16="http://schemas.microsoft.com/office/drawing/2014/main" id="{1DA39BA1-519E-4DD2-9A56-C547517D4F27}"/>
+              </a:ext>
+            </a:extLst>
+          </p:cNvPr>
+          <p:cNvSpPr txBox="1">
+            <a:spLocks/>
+          </p:cNvSpPr>
+          <p:nvPr/>
+        </p:nvSpPr>
+        <p:spPr>
+          <a:xfrm>
+            <a:off x="1253429" y="283996"/>
+            <a:ext cx="8277770" cy="456721"/>
+          </a:xfrm>
+          <a:prstGeom prst="rect">
+            <a:avLst/>
+          </a:prstGeom>
+        </p:spPr>
+        <p:txBody>
+          <a:bodyPr vert="horz" lIns="91440" tIns="45720" rIns="91440" bIns="45720" rtlCol="0" anchor="ctr">
+            <a:normAutofit fontScale="97500"/>
+          </a:bodyPr>
+          <a:lstStyle>
+            <a:lvl1pPr algn="l" defTabSz="914400" rtl="0" eaLnBrk="1" latinLnBrk="0" hangingPunct="1">
+              <a:lnSpc>
+                <a:spcPct val="90000"/>
+              </a:lnSpc>
+              <a:spcBef>
+                <a:spcPct val="0"/>
+              </a:spcBef>
+              <a:buNone/>
+              <a:defRPr sz="1800" kern="1200">
+                <a:solidFill>
+                  <a:srgbClr val="008BF9"/>
+                </a:solidFill>
+                <a:latin typeface="Microsoft YaHei"/>
+                <a:ea typeface="Microsoft YaHei"/>
+                <a:cs typeface="Microsoft YaHei"/>
+              </a:defRPr>
+            </a:lvl1pPr>
+          </a:lstStyle>
+          <a:p>
+            <a:r>
+              <a:rPr lang="zh-CN" altLang="en-US" sz="2500" b="1" dirty="0"/>
+              <a:t>云链</a:t>
+            </a:r>
+          </a:p>
+        </p:txBody>
+      </p:sp>
+      <p:sp>
+        <p:nvSpPr>
+          <p:cNvPr id="4" name="文本框 3"/>
+          <p:cNvSpPr txBox="1"/>
+          <p:nvPr/>
+        </p:nvSpPr>
+        <p:spPr>
+          <a:xfrm flipH="1">
+            <a:off x="1097278" y="922459"/>
+            <a:ext cx="3643533" cy="369332"/>
+          </a:xfrm>
+          <a:prstGeom prst="rect">
+            <a:avLst/>
+          </a:prstGeom>
+          <a:noFill/>
+        </p:spPr>
+        <p:txBody>
+          <a:bodyPr wrap="square" rtlCol="0">
+            <a:spAutoFit/>
+          </a:bodyPr>
+          <a:lstStyle/>
+          <a:p>
+            <a:r>
+              <a:rPr kumimoji="1" lang="en-US" altLang="zh-CN" dirty="0" err="1" smtClean="0">
+                <a:solidFill>
+                  <a:srgbClr val="008BF9"/>
+                </a:solidFill>
+                <a:latin typeface="Microsoft YaHei" charset="0"/>
+                <a:ea typeface="Microsoft YaHei" charset="0"/>
+                <a:cs typeface="Microsoft YaHei" charset="0"/>
+              </a:rPr>
+              <a:t>Vue</a:t>
+            </a:r>
+            <a:r>
+              <a:rPr kumimoji="1" lang="zh-CN" altLang="en-US" dirty="0" smtClean="0">
+                <a:solidFill>
+                  <a:srgbClr val="008BF9"/>
+                </a:solidFill>
+                <a:latin typeface="Microsoft YaHei" charset="0"/>
+                <a:ea typeface="Microsoft YaHei" charset="0"/>
+                <a:cs typeface="Microsoft YaHei" charset="0"/>
+              </a:rPr>
+              <a:t>中的虚拟</a:t>
+            </a:r>
+            <a:r>
+              <a:rPr kumimoji="1" lang="en-US" altLang="zh-CN" dirty="0" smtClean="0">
+                <a:solidFill>
+                  <a:srgbClr val="008BF9"/>
+                </a:solidFill>
+                <a:latin typeface="Microsoft YaHei" charset="0"/>
+                <a:ea typeface="Microsoft YaHei" charset="0"/>
+                <a:cs typeface="Microsoft YaHei" charset="0"/>
+              </a:rPr>
+              <a:t>DOM</a:t>
+            </a:r>
+            <a:endParaRPr kumimoji="1" lang="zh-CN" altLang="en-US" dirty="0">
+              <a:solidFill>
+                <a:srgbClr val="008BF9"/>
+              </a:solidFill>
+              <a:latin typeface="Microsoft YaHei" charset="0"/>
+              <a:ea typeface="Microsoft YaHei" charset="0"/>
+              <a:cs typeface="Microsoft YaHei" charset="0"/>
+            </a:endParaRPr>
+          </a:p>
+        </p:txBody>
+      </p:sp>
+      <p:pic>
+        <p:nvPicPr>
+          <p:cNvPr id="8" name="图片 7"/>
+          <p:cNvPicPr>
+            <a:picLocks noChangeAspect="1"/>
+          </p:cNvPicPr>
+          <p:nvPr/>
+        </p:nvPicPr>
+        <p:blipFill>
+          <a:blip r:embed="rId3"/>
+          <a:stretch>
+            <a:fillRect/>
+          </a:stretch>
+        </p:blipFill>
+        <p:spPr>
+          <a:xfrm>
+            <a:off x="1253429" y="1473533"/>
+            <a:ext cx="4619625" cy="4600575"/>
+          </a:xfrm>
+          <a:prstGeom prst="rect">
+            <a:avLst/>
+          </a:prstGeom>
+        </p:spPr>
+      </p:pic>
+      <p:pic>
+        <p:nvPicPr>
+          <p:cNvPr id="9" name="图片 8"/>
+          <p:cNvPicPr>
+            <a:picLocks noChangeAspect="1"/>
+          </p:cNvPicPr>
+          <p:nvPr/>
+        </p:nvPicPr>
+        <p:blipFill>
+          <a:blip r:embed="rId4"/>
+          <a:stretch>
+            <a:fillRect/>
+          </a:stretch>
+        </p:blipFill>
+        <p:spPr>
+          <a:xfrm>
+            <a:off x="6511733" y="1473533"/>
+            <a:ext cx="3867150" cy="4714875"/>
+          </a:xfrm>
+          <a:prstGeom prst="rect">
+            <a:avLst/>
+          </a:prstGeom>
+        </p:spPr>
+      </p:pic>
     </p:spTree>
     <p:extLst>
       <p:ext uri="{BB962C8B-B14F-4D97-AF65-F5344CB8AC3E}">
@@ -3571,7 +4043,205 @@
 </p:sld>
 </file>
 
-<file path=ppt/slides/slide13.xml><?xml version="1.0" encoding="utf-8"?>
+<file path=ppt/slides/slide14.xml><?xml version="1.0" encoding="utf-8"?>
+<p:sld xmlns:a="http://schemas.openxmlformats.org/drawingml/2006/main" xmlns:r="http://schemas.openxmlformats.org/officeDocument/2006/relationships" xmlns:p="http://schemas.openxmlformats.org/presentationml/2006/main">
+  <p:cSld>
+    <p:spTree>
+      <p:nvGrpSpPr>
+        <p:cNvPr id="1" name=""/>
+        <p:cNvGrpSpPr/>
+        <p:nvPr/>
+      </p:nvGrpSpPr>
+      <p:grpSpPr>
+        <a:xfrm>
+          <a:off x="0" y="0"/>
+          <a:ext cx="0" cy="0"/>
+          <a:chOff x="0" y="0"/>
+          <a:chExt cx="0" cy="0"/>
+        </a:xfrm>
+      </p:grpSpPr>
+      <p:sp>
+        <p:nvSpPr>
+          <p:cNvPr id="2" name="标题 1">
+            <a:extLst>
+              <a:ext uri="{FF2B5EF4-FFF2-40B4-BE49-F238E27FC236}">
+                <a16:creationId xmlns="" xmlns:a16="http://schemas.microsoft.com/office/drawing/2014/main" id="{1DA39BA1-519E-4DD2-9A56-C547517D4F27}"/>
+              </a:ext>
+            </a:extLst>
+          </p:cNvPr>
+          <p:cNvSpPr txBox="1">
+            <a:spLocks/>
+          </p:cNvSpPr>
+          <p:nvPr/>
+        </p:nvSpPr>
+        <p:spPr>
+          <a:xfrm>
+            <a:off x="1253429" y="283996"/>
+            <a:ext cx="8277770" cy="456721"/>
+          </a:xfrm>
+          <a:prstGeom prst="rect">
+            <a:avLst/>
+          </a:prstGeom>
+        </p:spPr>
+        <p:txBody>
+          <a:bodyPr vert="horz" lIns="91440" tIns="45720" rIns="91440" bIns="45720" rtlCol="0" anchor="ctr">
+            <a:normAutofit fontScale="97500"/>
+          </a:bodyPr>
+          <a:lstStyle>
+            <a:lvl1pPr algn="l" defTabSz="914400" rtl="0" eaLnBrk="1" latinLnBrk="0" hangingPunct="1">
+              <a:lnSpc>
+                <a:spcPct val="90000"/>
+              </a:lnSpc>
+              <a:spcBef>
+                <a:spcPct val="0"/>
+              </a:spcBef>
+              <a:buNone/>
+              <a:defRPr sz="1800" kern="1200">
+                <a:solidFill>
+                  <a:srgbClr val="008BF9"/>
+                </a:solidFill>
+                <a:latin typeface="Microsoft YaHei"/>
+                <a:ea typeface="Microsoft YaHei"/>
+                <a:cs typeface="Microsoft YaHei"/>
+              </a:defRPr>
+            </a:lvl1pPr>
+          </a:lstStyle>
+          <a:p>
+            <a:r>
+              <a:rPr lang="zh-CN" altLang="en-US" sz="2500" b="1" dirty="0"/>
+              <a:t>云链</a:t>
+            </a:r>
+          </a:p>
+        </p:txBody>
+      </p:sp>
+      <p:sp>
+        <p:nvSpPr>
+          <p:cNvPr id="4" name="文本框 3"/>
+          <p:cNvSpPr txBox="1"/>
+          <p:nvPr/>
+        </p:nvSpPr>
+        <p:spPr>
+          <a:xfrm flipH="1">
+            <a:off x="1097278" y="922459"/>
+            <a:ext cx="3643533" cy="369332"/>
+          </a:xfrm>
+          <a:prstGeom prst="rect">
+            <a:avLst/>
+          </a:prstGeom>
+          <a:noFill/>
+        </p:spPr>
+        <p:txBody>
+          <a:bodyPr wrap="square" rtlCol="0">
+            <a:spAutoFit/>
+          </a:bodyPr>
+          <a:lstStyle/>
+          <a:p>
+            <a:r>
+              <a:rPr kumimoji="1" lang="en-US" altLang="zh-CN" dirty="0" err="1" smtClean="0">
+                <a:solidFill>
+                  <a:srgbClr val="008BF9"/>
+                </a:solidFill>
+                <a:latin typeface="Microsoft YaHei" charset="0"/>
+                <a:ea typeface="Microsoft YaHei" charset="0"/>
+                <a:cs typeface="Microsoft YaHei" charset="0"/>
+              </a:rPr>
+              <a:t>Vue</a:t>
+            </a:r>
+            <a:r>
+              <a:rPr kumimoji="1" lang="zh-CN" altLang="en-US" dirty="0" smtClean="0">
+                <a:solidFill>
+                  <a:srgbClr val="008BF9"/>
+                </a:solidFill>
+                <a:latin typeface="Microsoft YaHei" charset="0"/>
+                <a:ea typeface="Microsoft YaHei" charset="0"/>
+                <a:cs typeface="Microsoft YaHei" charset="0"/>
+              </a:rPr>
+              <a:t>中的虚拟</a:t>
+            </a:r>
+            <a:r>
+              <a:rPr kumimoji="1" lang="en-US" altLang="zh-CN" dirty="0" smtClean="0">
+                <a:solidFill>
+                  <a:srgbClr val="008BF9"/>
+                </a:solidFill>
+                <a:latin typeface="Microsoft YaHei" charset="0"/>
+                <a:ea typeface="Microsoft YaHei" charset="0"/>
+                <a:cs typeface="Microsoft YaHei" charset="0"/>
+              </a:rPr>
+              <a:t>DOM</a:t>
+            </a:r>
+            <a:endParaRPr kumimoji="1" lang="zh-CN" altLang="en-US" dirty="0">
+              <a:solidFill>
+                <a:srgbClr val="008BF9"/>
+              </a:solidFill>
+              <a:latin typeface="Microsoft YaHei" charset="0"/>
+              <a:ea typeface="Microsoft YaHei" charset="0"/>
+              <a:cs typeface="Microsoft YaHei" charset="0"/>
+            </a:endParaRPr>
+          </a:p>
+        </p:txBody>
+      </p:sp>
+      <p:sp>
+        <p:nvSpPr>
+          <p:cNvPr id="6" name="矩形 5"/>
+          <p:cNvSpPr/>
+          <p:nvPr/>
+        </p:nvSpPr>
+        <p:spPr>
+          <a:xfrm>
+            <a:off x="2254095" y="2118918"/>
+            <a:ext cx="3332900" cy="369332"/>
+          </a:xfrm>
+          <a:prstGeom prst="rect">
+            <a:avLst/>
+          </a:prstGeom>
+        </p:spPr>
+        <p:txBody>
+          <a:bodyPr wrap="none">
+            <a:spAutoFit/>
+          </a:bodyPr>
+          <a:lstStyle/>
+          <a:p>
+            <a:r>
+              <a:rPr lang="en-US" altLang="zh-CN" dirty="0" err="1" smtClean="0"/>
+              <a:t>Vnode</a:t>
+            </a:r>
+            <a:r>
+              <a:rPr lang="en-US" altLang="zh-CN" dirty="0" smtClean="0"/>
+              <a:t> = </a:t>
+            </a:r>
+            <a:r>
+              <a:rPr lang="en-US" altLang="zh-CN" dirty="0" err="1" smtClean="0"/>
+              <a:t>createElement</a:t>
+            </a:r>
+            <a:r>
+              <a:rPr lang="en-US" altLang="zh-CN" dirty="0" smtClean="0"/>
+              <a:t>(‘a’, {}, [‘’])</a:t>
+            </a:r>
+            <a:endParaRPr lang="zh-CN" altLang="en-US" dirty="0"/>
+          </a:p>
+        </p:txBody>
+      </p:sp>
+    </p:spTree>
+    <p:extLst>
+      <p:ext uri="{BB962C8B-B14F-4D97-AF65-F5344CB8AC3E}">
+        <p14:creationId xmlns:p14="http://schemas.microsoft.com/office/powerpoint/2010/main" val="4070112576"/>
+      </p:ext>
+    </p:extLst>
+  </p:cSld>
+  <p:clrMapOvr>
+    <a:masterClrMapping/>
+  </p:clrMapOvr>
+  <p:timing>
+    <p:tnLst>
+      <p:par>
+        <p:cTn id="1" dur="indefinite" restart="never" nodeType="tmRoot"/>
+      </p:par>
+    </p:tnLst>
+  </p:timing>
+</p:sld>
+</file>
+
+<file path=ppt/slides/slide15.xml><?xml version="1.0" encoding="utf-8"?>
 <p:sld xmlns:a="http://schemas.openxmlformats.org/drawingml/2006/main" xmlns:r="http://schemas.openxmlformats.org/officeDocument/2006/relationships" xmlns:p="http://schemas.openxmlformats.org/presentationml/2006/main">
   <p:cSld>
     <p:spTree>
@@ -4078,14 +4748,6 @@
               </a:rPr>
               <a:t>的作用</a:t>
             </a:r>
-            <a:endParaRPr kumimoji="1" lang="zh-CN" altLang="en-US" dirty="0" smtClean="0">
-              <a:solidFill>
-                <a:srgbClr val="008BF9"/>
-              </a:solidFill>
-              <a:latin typeface="Microsoft YaHei" charset="0"/>
-              <a:ea typeface="Microsoft YaHei" charset="0"/>
-              <a:cs typeface="Microsoft YaHei" charset="0"/>
-            </a:endParaRPr>
           </a:p>
         </p:txBody>
       </p:sp>
@@ -4166,14 +4828,6 @@
               </a:rPr>
               <a:t>的实现</a:t>
             </a:r>
-            <a:endParaRPr kumimoji="1" lang="zh-CN" altLang="en-US" dirty="0" smtClean="0">
-              <a:solidFill>
-                <a:srgbClr val="008BF9"/>
-              </a:solidFill>
-              <a:latin typeface="Microsoft YaHei" charset="0"/>
-              <a:ea typeface="Microsoft YaHei" charset="0"/>
-              <a:cs typeface="Microsoft YaHei" charset="0"/>
-            </a:endParaRPr>
           </a:p>
         </p:txBody>
       </p:sp>
@@ -4219,7 +4873,7 @@
           <p:cNvPr id="2" name="标题 1">
             <a:extLst>
               <a:ext uri="{FF2B5EF4-FFF2-40B4-BE49-F238E27FC236}">
-                <a16:creationId xmlns:a16="http://schemas.microsoft.com/office/drawing/2014/main" xmlns="" id="{1DA39BA1-519E-4DD2-9A56-C547517D4F27}"/>
+                <a16:creationId xmlns="" xmlns:a16="http://schemas.microsoft.com/office/drawing/2014/main" id="{1DA39BA1-519E-4DD2-9A56-C547517D4F27}"/>
               </a:ext>
             </a:extLst>
           </p:cNvPr>
@@ -4401,7 +5055,18 @@
                 <a:ea typeface="Microsoft YaHei" charset="0"/>
                 <a:cs typeface="Microsoft YaHei" charset="0"/>
               </a:rPr>
-              <a:t>h</a:t>
+              <a:t>html</a:t>
+            </a:r>
+            <a:r>
+              <a:rPr kumimoji="1" lang="zh-CN" altLang="en-US" dirty="0" smtClean="0">
+                <a:solidFill>
+                  <a:srgbClr val="008BF9"/>
+                </a:solidFill>
+                <a:latin typeface="Microsoft YaHei" charset="0"/>
+                <a:ea typeface="Microsoft YaHei" charset="0"/>
+                <a:cs typeface="Microsoft YaHei" charset="0"/>
+              </a:rPr>
+              <a:t>，生成</a:t>
             </a:r>
             <a:r>
               <a:rPr kumimoji="1" lang="en-US" altLang="zh-CN" dirty="0" smtClean="0">
@@ -4412,7 +5077,7 @@
                 <a:ea typeface="Microsoft YaHei" charset="0"/>
                 <a:cs typeface="Microsoft YaHei" charset="0"/>
               </a:rPr>
-              <a:t>tml</a:t>
+              <a:t>DOM</a:t>
             </a:r>
             <a:r>
               <a:rPr kumimoji="1" lang="zh-CN" altLang="en-US" dirty="0" smtClean="0">
@@ -4423,38 +5088,8 @@
                 <a:ea typeface="Microsoft YaHei" charset="0"/>
                 <a:cs typeface="Microsoft YaHei" charset="0"/>
               </a:rPr>
-              <a:t>，生成</a:t>
-            </a:r>
-            <a:r>
-              <a:rPr kumimoji="1" lang="en-US" altLang="zh-CN" dirty="0" smtClean="0">
-                <a:solidFill>
-                  <a:srgbClr val="008BF9"/>
-                </a:solidFill>
-                <a:latin typeface="Microsoft YaHei" charset="0"/>
-                <a:ea typeface="Microsoft YaHei" charset="0"/>
-                <a:cs typeface="Microsoft YaHei" charset="0"/>
-              </a:rPr>
-              <a:t>DOM</a:t>
-            </a:r>
-            <a:r>
-              <a:rPr kumimoji="1" lang="zh-CN" altLang="en-US" dirty="0" smtClean="0">
-                <a:solidFill>
-                  <a:srgbClr val="008BF9"/>
-                </a:solidFill>
-                <a:latin typeface="Microsoft YaHei" charset="0"/>
-                <a:ea typeface="Microsoft YaHei" charset="0"/>
-                <a:cs typeface="Microsoft YaHei" charset="0"/>
-              </a:rPr>
               <a:t>树</a:t>
             </a:r>
-            <a:endParaRPr kumimoji="1" lang="zh-CN" altLang="en-US" dirty="0" smtClean="0">
-              <a:solidFill>
-                <a:srgbClr val="008BF9"/>
-              </a:solidFill>
-              <a:latin typeface="Microsoft YaHei" charset="0"/>
-              <a:ea typeface="Microsoft YaHei" charset="0"/>
-              <a:cs typeface="Microsoft YaHei" charset="0"/>
-            </a:endParaRPr>
           </a:p>
         </p:txBody>
       </p:sp>
@@ -4548,7 +5183,7 @@
           <p:cNvPr id="2" name="标题 1">
             <a:extLst>
               <a:ext uri="{FF2B5EF4-FFF2-40B4-BE49-F238E27FC236}">
-                <a16:creationId xmlns:a16="http://schemas.microsoft.com/office/drawing/2014/main" xmlns="" id="{1DA39BA1-519E-4DD2-9A56-C547517D4F27}"/>
+                <a16:creationId xmlns="" xmlns:a16="http://schemas.microsoft.com/office/drawing/2014/main" id="{1DA39BA1-519E-4DD2-9A56-C547517D4F27}"/>
               </a:ext>
             </a:extLst>
           </p:cNvPr>
@@ -4754,7 +5389,7 @@
           <p:cNvPr id="2" name="标题 1">
             <a:extLst>
               <a:ext uri="{FF2B5EF4-FFF2-40B4-BE49-F238E27FC236}">
-                <a16:creationId xmlns:a16="http://schemas.microsoft.com/office/drawing/2014/main" xmlns="" id="{1DA39BA1-519E-4DD2-9A56-C547517D4F27}"/>
+                <a16:creationId xmlns="" xmlns:a16="http://schemas.microsoft.com/office/drawing/2014/main" id="{1DA39BA1-519E-4DD2-9A56-C547517D4F27}"/>
               </a:ext>
             </a:extLst>
           </p:cNvPr>
@@ -4902,7 +5537,7 @@
           <p:cNvPr id="2" name="标题 1">
             <a:extLst>
               <a:ext uri="{FF2B5EF4-FFF2-40B4-BE49-F238E27FC236}">
-                <a16:creationId xmlns:a16="http://schemas.microsoft.com/office/drawing/2014/main" xmlns="" id="{1DA39BA1-519E-4DD2-9A56-C547517D4F27}"/>
+                <a16:creationId xmlns="" xmlns:a16="http://schemas.microsoft.com/office/drawing/2014/main" id="{1DA39BA1-519E-4DD2-9A56-C547517D4F27}"/>
               </a:ext>
             </a:extLst>
           </p:cNvPr>
@@ -5039,14 +5674,6 @@
               </a:rPr>
               <a:t>什么是虚拟ＤＯＭ</a:t>
             </a:r>
-            <a:endParaRPr kumimoji="1" lang="zh-CN" altLang="en-US" dirty="0" smtClean="0">
-              <a:solidFill>
-                <a:srgbClr val="008BF9"/>
-              </a:solidFill>
-              <a:latin typeface="Microsoft YaHei" charset="0"/>
-              <a:ea typeface="Microsoft YaHei" charset="0"/>
-              <a:cs typeface="Microsoft YaHei" charset="0"/>
-            </a:endParaRPr>
           </a:p>
         </p:txBody>
       </p:sp>
@@ -5116,7 +5743,7 @@
           <p:cNvPr id="2" name="标题 1">
             <a:extLst>
               <a:ext uri="{FF2B5EF4-FFF2-40B4-BE49-F238E27FC236}">
-                <a16:creationId xmlns:a16="http://schemas.microsoft.com/office/drawing/2014/main" xmlns="" id="{1DA39BA1-519E-4DD2-9A56-C547517D4F27}"/>
+                <a16:creationId xmlns="" xmlns:a16="http://schemas.microsoft.com/office/drawing/2014/main" id="{1DA39BA1-519E-4DD2-9A56-C547517D4F27}"/>
               </a:ext>
             </a:extLst>
           </p:cNvPr>
@@ -5229,18 +5856,7 @@
                 <a:ea typeface="Microsoft YaHei" charset="0"/>
                 <a:cs typeface="Microsoft YaHei" charset="0"/>
               </a:rPr>
-              <a:t>使用</a:t>
-            </a:r>
-            <a:r>
-              <a:rPr kumimoji="1" lang="zh-CN" altLang="en-US" dirty="0" smtClean="0">
-                <a:solidFill>
-                  <a:srgbClr val="008BF9"/>
-                </a:solidFill>
-                <a:latin typeface="Microsoft YaHei" charset="0"/>
-                <a:ea typeface="Microsoft YaHei" charset="0"/>
-                <a:cs typeface="Microsoft YaHei" charset="0"/>
-              </a:rPr>
-              <a:t>虚拟</a:t>
+              <a:t>使用虚拟</a:t>
             </a:r>
             <a:r>
               <a:rPr kumimoji="1" lang="en-US" altLang="zh-CN" dirty="0" smtClean="0">
@@ -5463,14 +6079,6 @@
               </a:rPr>
               <a:t>渲染</a:t>
             </a:r>
-            <a:endParaRPr kumimoji="1" lang="zh-CN" altLang="en-US" dirty="0" smtClean="0">
-              <a:solidFill>
-                <a:srgbClr val="008BF9"/>
-              </a:solidFill>
-              <a:latin typeface="Microsoft YaHei" charset="0"/>
-              <a:ea typeface="Microsoft YaHei" charset="0"/>
-              <a:cs typeface="Microsoft YaHei" charset="0"/>
-            </a:endParaRPr>
           </a:p>
         </p:txBody>
       </p:sp>
@@ -5516,7 +6124,7 @@
           <p:cNvPr id="2" name="标题 1">
             <a:extLst>
               <a:ext uri="{FF2B5EF4-FFF2-40B4-BE49-F238E27FC236}">
-                <a16:creationId xmlns:a16="http://schemas.microsoft.com/office/drawing/2014/main" xmlns="" id="{1DA39BA1-519E-4DD2-9A56-C547517D4F27}"/>
+                <a16:creationId xmlns="" xmlns:a16="http://schemas.microsoft.com/office/drawing/2014/main" id="{1DA39BA1-519E-4DD2-9A56-C547517D4F27}"/>
               </a:ext>
             </a:extLst>
           </p:cNvPr>
@@ -6103,14 +6711,6 @@
               </a:rPr>
               <a:t>更新</a:t>
             </a:r>
-            <a:endParaRPr kumimoji="1" lang="zh-CN" altLang="en-US" dirty="0" smtClean="0">
-              <a:solidFill>
-                <a:srgbClr val="008BF9"/>
-              </a:solidFill>
-              <a:latin typeface="Microsoft YaHei" charset="0"/>
-              <a:ea typeface="Microsoft YaHei" charset="0"/>
-              <a:cs typeface="Microsoft YaHei" charset="0"/>
-            </a:endParaRPr>
           </a:p>
         </p:txBody>
       </p:sp>
@@ -6156,7 +6756,7 @@
           <p:cNvPr id="2" name="标题 1">
             <a:extLst>
               <a:ext uri="{FF2B5EF4-FFF2-40B4-BE49-F238E27FC236}">
-                <a16:creationId xmlns:a16="http://schemas.microsoft.com/office/drawing/2014/main" xmlns="" id="{1DA39BA1-519E-4DD2-9A56-C547517D4F27}"/>
+                <a16:creationId xmlns="" xmlns:a16="http://schemas.microsoft.com/office/drawing/2014/main" id="{1DA39BA1-519E-4DD2-9A56-C547517D4F27}"/>
               </a:ext>
             </a:extLst>
           </p:cNvPr>

--- a/vdom.pptx
+++ b/vdom.pptx
@@ -5,10 +5,10 @@
     <p:sldMasterId id="2147483648" r:id="rId1"/>
   </p:sldMasterIdLst>
   <p:notesMasterIdLst>
-    <p:notesMasterId r:id="rId17"/>
+    <p:notesMasterId r:id="rId18"/>
   </p:notesMasterIdLst>
   <p:handoutMasterIdLst>
-    <p:handoutMasterId r:id="rId18"/>
+    <p:handoutMasterId r:id="rId19"/>
   </p:handoutMasterIdLst>
   <p:sldIdLst>
     <p:sldId id="273" r:id="rId2"/>
@@ -25,7 +25,8 @@
     <p:sldId id="286" r:id="rId13"/>
     <p:sldId id="285" r:id="rId14"/>
     <p:sldId id="287" r:id="rId15"/>
-    <p:sldId id="260" r:id="rId16"/>
+    <p:sldId id="288" r:id="rId16"/>
+    <p:sldId id="260" r:id="rId17"/>
   </p:sldIdLst>
   <p:sldSz cx="12192000" cy="6858000"/>
   <p:notesSz cx="6858000" cy="9144000"/>
@@ -143,6 +144,7 @@
             <p14:sldId id="286"/>
             <p14:sldId id="285"/>
             <p14:sldId id="287"/>
+            <p14:sldId id="288"/>
             <p14:sldId id="260"/>
           </p14:sldIdLst>
         </p14:section>
@@ -251,7 +253,7 @@
           <a:p>
             <a:fld id="{CE57B737-A1D9-A343-86D1-9A975D93167B}" type="datetimeFigureOut">
               <a:rPr kumimoji="1" lang="zh-CN" altLang="en-US" smtClean="0"/>
-              <a:t>2019/12/22</a:t>
+              <a:t>2019/12/23</a:t>
             </a:fld>
             <a:endParaRPr kumimoji="1" lang="zh-CN" altLang="en-US"/>
           </a:p>
@@ -416,7 +418,7 @@
           <a:p>
             <a:fld id="{847B7ADF-11C1-5047-95D6-06387A96F6CC}" type="datetimeFigureOut">
               <a:rPr kumimoji="1" lang="zh-CN" altLang="en-US" smtClean="0"/>
-              <a:t>2019/12/22</a:t>
+              <a:t>2019/12/23</a:t>
             </a:fld>
             <a:endParaRPr kumimoji="1" lang="zh-CN" altLang="en-US"/>
           </a:p>
@@ -1230,6 +1232,94 @@
 </p:notes>
 </file>
 
+<file path=ppt/notesSlides/notesSlide15.xml><?xml version="1.0" encoding="utf-8"?>
+<p:notes xmlns:a="http://schemas.openxmlformats.org/drawingml/2006/main" xmlns:r="http://schemas.openxmlformats.org/officeDocument/2006/relationships" xmlns:p="http://schemas.openxmlformats.org/presentationml/2006/main">
+  <p:cSld>
+    <p:spTree>
+      <p:nvGrpSpPr>
+        <p:cNvPr id="1" name=""/>
+        <p:cNvGrpSpPr/>
+        <p:nvPr/>
+      </p:nvGrpSpPr>
+      <p:grpSpPr>
+        <a:xfrm>
+          <a:off x="0" y="0"/>
+          <a:ext cx="0" cy="0"/>
+          <a:chOff x="0" y="0"/>
+          <a:chExt cx="0" cy="0"/>
+        </a:xfrm>
+      </p:grpSpPr>
+      <p:sp>
+        <p:nvSpPr>
+          <p:cNvPr id="2" name="幻灯片图像占位符 1"/>
+          <p:cNvSpPr>
+            <a:spLocks noGrp="1" noRot="1" noChangeAspect="1"/>
+          </p:cNvSpPr>
+          <p:nvPr>
+            <p:ph type="sldImg"/>
+          </p:nvPr>
+        </p:nvSpPr>
+        <p:spPr/>
+      </p:sp>
+      <p:sp>
+        <p:nvSpPr>
+          <p:cNvPr id="3" name="备注占位符 2"/>
+          <p:cNvSpPr>
+            <a:spLocks noGrp="1"/>
+          </p:cNvSpPr>
+          <p:nvPr>
+            <p:ph type="body" idx="1"/>
+          </p:nvPr>
+        </p:nvSpPr>
+        <p:spPr/>
+        <p:txBody>
+          <a:bodyPr/>
+          <a:lstStyle/>
+          <a:p>
+            <a:r>
+              <a:rPr lang="en-US" altLang="zh-CN" dirty="0" smtClean="0"/>
+              <a:t>DIV</a:t>
+            </a:r>
+            <a:endParaRPr lang="zh-CN" altLang="en-US" dirty="0"/>
+          </a:p>
+        </p:txBody>
+      </p:sp>
+      <p:sp>
+        <p:nvSpPr>
+          <p:cNvPr id="4" name="灯片编号占位符 3"/>
+          <p:cNvSpPr>
+            <a:spLocks noGrp="1"/>
+          </p:cNvSpPr>
+          <p:nvPr>
+            <p:ph type="sldNum" sz="quarter" idx="10"/>
+          </p:nvPr>
+        </p:nvSpPr>
+        <p:spPr/>
+        <p:txBody>
+          <a:bodyPr/>
+          <a:lstStyle/>
+          <a:p>
+            <a:fld id="{DBA85D35-134F-AE46-96E2-91156A1A0CD6}" type="slidenum">
+              <a:rPr kumimoji="1" lang="zh-CN" altLang="en-US" smtClean="0"/>
+              <a:t>15</a:t>
+            </a:fld>
+            <a:endParaRPr kumimoji="1" lang="zh-CN" altLang="en-US"/>
+          </a:p>
+        </p:txBody>
+      </p:sp>
+    </p:spTree>
+    <p:extLst>
+      <p:ext uri="{BB962C8B-B14F-4D97-AF65-F5344CB8AC3E}">
+        <p14:creationId xmlns:p14="http://schemas.microsoft.com/office/powerpoint/2010/main" val="3607673740"/>
+      </p:ext>
+    </p:extLst>
+  </p:cSld>
+  <p:clrMapOvr>
+    <a:masterClrMapping/>
+  </p:clrMapOvr>
+</p:notes>
+</file>
+
 <file path=ppt/notesSlides/notesSlide2.xml><?xml version="1.0" encoding="utf-8"?>
 <p:notes xmlns:a="http://schemas.openxmlformats.org/drawingml/2006/main" xmlns:r="http://schemas.openxmlformats.org/officeDocument/2006/relationships" xmlns:p="http://schemas.openxmlformats.org/presentationml/2006/main">
   <p:cSld>
@@ -1690,10 +1780,65 @@
           <a:lstStyle/>
           <a:p>
             <a:r>
+              <a:rPr lang="zh-CN" altLang="en-US" dirty="0" smtClean="0"/>
+              <a:t>虚拟</a:t>
+            </a:r>
+            <a:r>
               <a:rPr lang="en-US" altLang="zh-CN" dirty="0" smtClean="0"/>
-              <a:t>DIV</a:t>
-            </a:r>
-            <a:endParaRPr lang="zh-CN" altLang="en-US" dirty="0"/>
+              <a:t>DOM</a:t>
+            </a:r>
+            <a:r>
+              <a:rPr lang="zh-CN" altLang="en-US" dirty="0" smtClean="0"/>
+              <a:t>就是一个简单的</a:t>
+            </a:r>
+            <a:r>
+              <a:rPr lang="en-US" altLang="zh-CN" dirty="0" err="1" smtClean="0"/>
+              <a:t>js</a:t>
+            </a:r>
+            <a:r>
+              <a:rPr lang="zh-CN" altLang="en-US" dirty="0" smtClean="0"/>
+              <a:t>对象，只有一个表示节点类型的</a:t>
+            </a:r>
+            <a:r>
+              <a:rPr lang="en-US" altLang="zh-CN" dirty="0" err="1" smtClean="0"/>
+              <a:t>nodeName</a:t>
+            </a:r>
+            <a:r>
+              <a:rPr lang="zh-CN" altLang="en-US" dirty="0" smtClean="0"/>
+              <a:t>属性，一个节点属性的</a:t>
+            </a:r>
+            <a:r>
+              <a:rPr lang="en-US" altLang="zh-CN" dirty="0" smtClean="0"/>
+              <a:t>attributes</a:t>
+            </a:r>
+            <a:r>
+              <a:rPr lang="zh-CN" altLang="en-US" dirty="0" smtClean="0"/>
+              <a:t>属性，还有一个子节点列表。</a:t>
+            </a:r>
+            <a:endParaRPr lang="en-US" altLang="zh-CN" dirty="0" smtClean="0"/>
+          </a:p>
+          <a:p>
+            <a:r>
+              <a:rPr lang="zh-CN" altLang="en-US" dirty="0" smtClean="0"/>
+              <a:t>和</a:t>
+            </a:r>
+            <a:r>
+              <a:rPr lang="en-US" altLang="zh-CN" dirty="0" smtClean="0"/>
+              <a:t>DOM</a:t>
+            </a:r>
+            <a:r>
+              <a:rPr lang="zh-CN" altLang="en-US" dirty="0" smtClean="0"/>
+              <a:t>对比，虚拟</a:t>
+            </a:r>
+            <a:r>
+              <a:rPr lang="en-US" altLang="zh-CN" dirty="0" smtClean="0"/>
+              <a:t>DOM</a:t>
+            </a:r>
+            <a:r>
+              <a:rPr lang="zh-CN" altLang="en-US" dirty="0" smtClean="0"/>
+              <a:t>会简单很多</a:t>
+            </a:r>
+            <a:endParaRPr lang="en-US" altLang="zh-CN" dirty="0" smtClean="0"/>
           </a:p>
         </p:txBody>
       </p:sp>
@@ -1866,9 +2011,92 @@
           <a:lstStyle/>
           <a:p>
             <a:r>
+              <a:rPr lang="zh-CN" altLang="en-US" dirty="0" smtClean="0"/>
+              <a:t>在</a:t>
+            </a:r>
+            <a:r>
+              <a:rPr lang="en-US" altLang="zh-CN" dirty="0" err="1" smtClean="0"/>
+              <a:t>vue</a:t>
+            </a:r>
+            <a:r>
+              <a:rPr lang="zh-CN" altLang="en-US" dirty="0" smtClean="0"/>
+              <a:t>框架里，对象的复杂顺序是</a:t>
+            </a:r>
+            <a:endParaRPr lang="en-US" altLang="zh-CN" dirty="0" smtClean="0"/>
+          </a:p>
+          <a:p>
+            <a:r>
               <a:rPr lang="en-US" altLang="zh-CN" dirty="0" smtClean="0"/>
-              <a:t>DIV</a:t>
-            </a:r>
+              <a:t>DOM &gt;</a:t>
+            </a:r>
+            <a:r>
+              <a:rPr lang="en-US" altLang="zh-CN" baseline="0" dirty="0" smtClean="0"/>
+              <a:t> new </a:t>
+            </a:r>
+            <a:r>
+              <a:rPr lang="en-US" altLang="zh-CN" baseline="0" dirty="0" err="1" smtClean="0"/>
+              <a:t>Vue</a:t>
+            </a:r>
+            <a:r>
+              <a:rPr lang="en-US" altLang="zh-CN" baseline="0" dirty="0" smtClean="0"/>
+              <a:t>() &gt; </a:t>
+            </a:r>
+            <a:r>
+              <a:rPr lang="en-US" altLang="zh-CN" baseline="0" dirty="0" err="1" smtClean="0"/>
+              <a:t>Vdom</a:t>
+            </a:r>
+            <a:r>
+              <a:rPr lang="en-US" altLang="zh-CN" baseline="0" dirty="0" smtClean="0"/>
+              <a:t>  &gt; {} &gt; </a:t>
+            </a:r>
+            <a:r>
+              <a:rPr lang="en-US" altLang="zh-CN" baseline="0" dirty="0" err="1" smtClean="0"/>
+              <a:t>Object.create</a:t>
+            </a:r>
+            <a:r>
+              <a:rPr lang="en-US" altLang="zh-CN" baseline="0" dirty="0" smtClean="0"/>
+              <a:t>(null)</a:t>
+            </a:r>
+          </a:p>
+          <a:p>
+            <a:endParaRPr lang="en-US" altLang="zh-CN" baseline="0" dirty="0" smtClean="0"/>
+          </a:p>
+          <a:p>
+            <a:r>
+              <a:rPr lang="en-US" altLang="zh-CN" baseline="0" dirty="0" err="1" smtClean="0"/>
+              <a:t>vm</a:t>
+            </a:r>
+            <a:r>
+              <a:rPr lang="zh-CN" altLang="en-US" baseline="0" dirty="0" smtClean="0"/>
+              <a:t>的复杂性表现在，</a:t>
+            </a:r>
+            <a:r>
+              <a:rPr lang="en-US" altLang="zh-CN" baseline="0" dirty="0" smtClean="0"/>
+              <a:t>1. </a:t>
+            </a:r>
+            <a:r>
+              <a:rPr lang="zh-CN" altLang="en-US" baseline="0" dirty="0" smtClean="0"/>
+              <a:t>属性比较多 </a:t>
+            </a:r>
+            <a:r>
+              <a:rPr lang="en-US" altLang="zh-CN" baseline="0" dirty="0" smtClean="0"/>
+              <a:t>2. </a:t>
+            </a:r>
+            <a:r>
+              <a:rPr lang="zh-CN" altLang="en-US" baseline="0" dirty="0" smtClean="0"/>
+              <a:t>初始化操作复杂，对</a:t>
+            </a:r>
+            <a:r>
+              <a:rPr lang="en-US" altLang="zh-CN" baseline="0" dirty="0" smtClean="0"/>
+              <a:t>data</a:t>
+            </a:r>
+            <a:r>
+              <a:rPr lang="zh-CN" altLang="en-US" baseline="0" dirty="0" smtClean="0"/>
+              <a:t>进行劫持，处理依赖收集</a:t>
+            </a:r>
+            <a:endParaRPr lang="zh-CN" altLang="en-US" dirty="0" smtClean="0"/>
+          </a:p>
+          <a:p>
             <a:endParaRPr lang="zh-CN" altLang="en-US" dirty="0"/>
           </a:p>
         </p:txBody>
@@ -1953,10 +2181,6 @@
           <a:bodyPr/>
           <a:lstStyle/>
           <a:p>
-            <a:r>
-              <a:rPr lang="en-US" altLang="zh-CN" dirty="0" smtClean="0"/>
-              <a:t>DIV</a:t>
-            </a:r>
             <a:endParaRPr lang="zh-CN" altLang="en-US" dirty="0"/>
           </a:p>
         </p:txBody>
@@ -3259,7 +3483,7 @@
           <p:cNvPr id="2" name="标题 1">
             <a:extLst>
               <a:ext uri="{FF2B5EF4-FFF2-40B4-BE49-F238E27FC236}">
-                <a16:creationId xmlns="" xmlns:a16="http://schemas.microsoft.com/office/drawing/2014/main" id="{1DA39BA1-519E-4DD2-9A56-C547517D4F27}"/>
+                <a16:creationId xmlns:a16="http://schemas.microsoft.com/office/drawing/2014/main" xmlns="" id="{1DA39BA1-519E-4DD2-9A56-C547517D4F27}"/>
               </a:ext>
             </a:extLst>
           </p:cNvPr>
@@ -3429,7 +3653,7 @@
           <p:cNvPr id="2" name="标题 1">
             <a:extLst>
               <a:ext uri="{FF2B5EF4-FFF2-40B4-BE49-F238E27FC236}">
-                <a16:creationId xmlns="" xmlns:a16="http://schemas.microsoft.com/office/drawing/2014/main" id="{1DA39BA1-519E-4DD2-9A56-C547517D4F27}"/>
+                <a16:creationId xmlns:a16="http://schemas.microsoft.com/office/drawing/2014/main" xmlns="" id="{1DA39BA1-519E-4DD2-9A56-C547517D4F27}"/>
               </a:ext>
             </a:extLst>
           </p:cNvPr>
@@ -3616,7 +3840,7 @@
           <p:cNvPr id="2" name="标题 1">
             <a:extLst>
               <a:ext uri="{FF2B5EF4-FFF2-40B4-BE49-F238E27FC236}">
-                <a16:creationId xmlns="" xmlns:a16="http://schemas.microsoft.com/office/drawing/2014/main" id="{1DA39BA1-519E-4DD2-9A56-C547517D4F27}"/>
+                <a16:creationId xmlns:a16="http://schemas.microsoft.com/office/drawing/2014/main" xmlns="" id="{1DA39BA1-519E-4DD2-9A56-C547517D4F27}"/>
               </a:ext>
             </a:extLst>
           </p:cNvPr>
@@ -3807,14 +4031,6 @@
               </a:rPr>
               <a:t>以外的渲染目标。</a:t>
             </a:r>
-            <a:endParaRPr kumimoji="1" lang="zh-CN" altLang="en-US" dirty="0">
-              <a:solidFill>
-                <a:srgbClr val="008BF9"/>
-              </a:solidFill>
-              <a:latin typeface="Microsoft YaHei" charset="0"/>
-              <a:ea typeface="Microsoft YaHei" charset="0"/>
-              <a:cs typeface="Microsoft YaHei" charset="0"/>
-            </a:endParaRPr>
           </a:p>
         </p:txBody>
       </p:sp>
@@ -3860,7 +4076,7 @@
           <p:cNvPr id="2" name="标题 1">
             <a:extLst>
               <a:ext uri="{FF2B5EF4-FFF2-40B4-BE49-F238E27FC236}">
-                <a16:creationId xmlns="" xmlns:a16="http://schemas.microsoft.com/office/drawing/2014/main" id="{1DA39BA1-519E-4DD2-9A56-C547517D4F27}"/>
+                <a16:creationId xmlns:a16="http://schemas.microsoft.com/office/drawing/2014/main" xmlns="" id="{1DA39BA1-519E-4DD2-9A56-C547517D4F27}"/>
               </a:ext>
             </a:extLst>
           </p:cNvPr>
@@ -3977,7 +4193,7 @@
       </p:sp>
       <p:pic>
         <p:nvPicPr>
-          <p:cNvPr id="8" name="图片 7"/>
+          <p:cNvPr id="9" name="图片 8"/>
           <p:cNvPicPr>
             <a:picLocks noChangeAspect="1"/>
           </p:cNvPicPr>
@@ -3991,8 +4207,8 @@
         </p:blipFill>
         <p:spPr>
           <a:xfrm>
-            <a:off x="1253429" y="1473533"/>
-            <a:ext cx="4619625" cy="4600575"/>
+            <a:off x="6511733" y="1473533"/>
+            <a:ext cx="3867150" cy="4714875"/>
           </a:xfrm>
           <a:prstGeom prst="rect">
             <a:avLst/>
@@ -4001,7 +4217,7 @@
       </p:pic>
       <p:pic>
         <p:nvPicPr>
-          <p:cNvPr id="9" name="图片 8"/>
+          <p:cNvPr id="6" name="图片 5"/>
           <p:cNvPicPr>
             <a:picLocks noChangeAspect="1"/>
           </p:cNvPicPr>
@@ -4015,8 +4231,8 @@
         </p:blipFill>
         <p:spPr>
           <a:xfrm>
-            <a:off x="6511733" y="1473533"/>
-            <a:ext cx="3867150" cy="4714875"/>
+            <a:off x="1097278" y="1473533"/>
+            <a:ext cx="4924425" cy="4943475"/>
           </a:xfrm>
           <a:prstGeom prst="rect">
             <a:avLst/>
@@ -4065,7 +4281,7 @@
           <p:cNvPr id="2" name="标题 1">
             <a:extLst>
               <a:ext uri="{FF2B5EF4-FFF2-40B4-BE49-F238E27FC236}">
-                <a16:creationId xmlns="" xmlns:a16="http://schemas.microsoft.com/office/drawing/2014/main" id="{1DA39BA1-519E-4DD2-9A56-C547517D4F27}"/>
+                <a16:creationId xmlns:a16="http://schemas.microsoft.com/office/drawing/2014/main" xmlns="" id="{1DA39BA1-519E-4DD2-9A56-C547517D4F27}"/>
               </a:ext>
             </a:extLst>
           </p:cNvPr>
@@ -4114,113 +4330,30 @@
           </a:p>
         </p:txBody>
       </p:sp>
-      <p:sp>
-        <p:nvSpPr>
-          <p:cNvPr id="4" name="文本框 3"/>
-          <p:cNvSpPr txBox="1"/>
+      <p:pic>
+        <p:nvPicPr>
+          <p:cNvPr id="5" name="图片 4"/>
+          <p:cNvPicPr>
+            <a:picLocks noChangeAspect="1"/>
+          </p:cNvPicPr>
           <p:nvPr/>
-        </p:nvSpPr>
-        <p:spPr>
-          <a:xfrm flipH="1">
-            <a:off x="1097278" y="922459"/>
-            <a:ext cx="3643533" cy="369332"/>
+        </p:nvPicPr>
+        <p:blipFill>
+          <a:blip r:embed="rId3"/>
+          <a:stretch>
+            <a:fillRect/>
+          </a:stretch>
+        </p:blipFill>
+        <p:spPr>
+          <a:xfrm>
+            <a:off x="0" y="1139502"/>
+            <a:ext cx="11954577" cy="5118011"/>
           </a:xfrm>
           <a:prstGeom prst="rect">
             <a:avLst/>
           </a:prstGeom>
-          <a:noFill/>
-        </p:spPr>
-        <p:txBody>
-          <a:bodyPr wrap="square" rtlCol="0">
-            <a:spAutoFit/>
-          </a:bodyPr>
-          <a:lstStyle/>
-          <a:p>
-            <a:r>
-              <a:rPr kumimoji="1" lang="en-US" altLang="zh-CN" dirty="0" err="1" smtClean="0">
-                <a:solidFill>
-                  <a:srgbClr val="008BF9"/>
-                </a:solidFill>
-                <a:latin typeface="Microsoft YaHei" charset="0"/>
-                <a:ea typeface="Microsoft YaHei" charset="0"/>
-                <a:cs typeface="Microsoft YaHei" charset="0"/>
-              </a:rPr>
-              <a:t>Vue</a:t>
-            </a:r>
-            <a:r>
-              <a:rPr kumimoji="1" lang="zh-CN" altLang="en-US" dirty="0" smtClean="0">
-                <a:solidFill>
-                  <a:srgbClr val="008BF9"/>
-                </a:solidFill>
-                <a:latin typeface="Microsoft YaHei" charset="0"/>
-                <a:ea typeface="Microsoft YaHei" charset="0"/>
-                <a:cs typeface="Microsoft YaHei" charset="0"/>
-              </a:rPr>
-              <a:t>中的虚拟</a:t>
-            </a:r>
-            <a:r>
-              <a:rPr kumimoji="1" lang="en-US" altLang="zh-CN" dirty="0" smtClean="0">
-                <a:solidFill>
-                  <a:srgbClr val="008BF9"/>
-                </a:solidFill>
-                <a:latin typeface="Microsoft YaHei" charset="0"/>
-                <a:ea typeface="Microsoft YaHei" charset="0"/>
-                <a:cs typeface="Microsoft YaHei" charset="0"/>
-              </a:rPr>
-              <a:t>DOM</a:t>
-            </a:r>
-            <a:endParaRPr kumimoji="1" lang="zh-CN" altLang="en-US" dirty="0">
-              <a:solidFill>
-                <a:srgbClr val="008BF9"/>
-              </a:solidFill>
-              <a:latin typeface="Microsoft YaHei" charset="0"/>
-              <a:ea typeface="Microsoft YaHei" charset="0"/>
-              <a:cs typeface="Microsoft YaHei" charset="0"/>
-            </a:endParaRPr>
-          </a:p>
-        </p:txBody>
-      </p:sp>
-      <p:sp>
-        <p:nvSpPr>
-          <p:cNvPr id="6" name="矩形 5"/>
-          <p:cNvSpPr/>
-          <p:nvPr/>
-        </p:nvSpPr>
-        <p:spPr>
-          <a:xfrm>
-            <a:off x="2254095" y="2118918"/>
-            <a:ext cx="3332900" cy="369332"/>
-          </a:xfrm>
-          <a:prstGeom prst="rect">
-            <a:avLst/>
-          </a:prstGeom>
-        </p:spPr>
-        <p:txBody>
-          <a:bodyPr wrap="none">
-            <a:spAutoFit/>
-          </a:bodyPr>
-          <a:lstStyle/>
-          <a:p>
-            <a:r>
-              <a:rPr lang="en-US" altLang="zh-CN" dirty="0" err="1" smtClean="0"/>
-              <a:t>Vnode</a:t>
-            </a:r>
-            <a:r>
-              <a:rPr lang="en-US" altLang="zh-CN" dirty="0" smtClean="0"/>
-              <a:t> = </a:t>
-            </a:r>
-            <a:r>
-              <a:rPr lang="en-US" altLang="zh-CN" dirty="0" err="1" smtClean="0"/>
-              <a:t>createElement</a:t>
-            </a:r>
-            <a:r>
-              <a:rPr lang="en-US" altLang="zh-CN" dirty="0" smtClean="0"/>
-              <a:t>(‘a’, {}, [‘’])</a:t>
-            </a:r>
-            <a:endParaRPr lang="zh-CN" altLang="en-US" dirty="0"/>
-          </a:p>
-        </p:txBody>
-      </p:sp>
+        </p:spPr>
+      </p:pic>
     </p:spTree>
     <p:extLst>
       <p:ext uri="{BB962C8B-B14F-4D97-AF65-F5344CB8AC3E}">
@@ -4242,6 +4375,163 @@
 </file>
 
 <file path=ppt/slides/slide15.xml><?xml version="1.0" encoding="utf-8"?>
+<p:sld xmlns:a="http://schemas.openxmlformats.org/drawingml/2006/main" xmlns:r="http://schemas.openxmlformats.org/officeDocument/2006/relationships" xmlns:p="http://schemas.openxmlformats.org/presentationml/2006/main">
+  <p:cSld>
+    <p:spTree>
+      <p:nvGrpSpPr>
+        <p:cNvPr id="1" name=""/>
+        <p:cNvGrpSpPr/>
+        <p:nvPr/>
+      </p:nvGrpSpPr>
+      <p:grpSpPr>
+        <a:xfrm>
+          <a:off x="0" y="0"/>
+          <a:ext cx="0" cy="0"/>
+          <a:chOff x="0" y="0"/>
+          <a:chExt cx="0" cy="0"/>
+        </a:xfrm>
+      </p:grpSpPr>
+      <p:sp>
+        <p:nvSpPr>
+          <p:cNvPr id="2" name="标题 1">
+            <a:extLst>
+              <a:ext uri="{FF2B5EF4-FFF2-40B4-BE49-F238E27FC236}">
+                <a16:creationId xmlns:a16="http://schemas.microsoft.com/office/drawing/2014/main" xmlns="" id="{1DA39BA1-519E-4DD2-9A56-C547517D4F27}"/>
+              </a:ext>
+            </a:extLst>
+          </p:cNvPr>
+          <p:cNvSpPr txBox="1">
+            <a:spLocks/>
+          </p:cNvSpPr>
+          <p:nvPr/>
+        </p:nvSpPr>
+        <p:spPr>
+          <a:xfrm>
+            <a:off x="1253429" y="283996"/>
+            <a:ext cx="8277770" cy="456721"/>
+          </a:xfrm>
+          <a:prstGeom prst="rect">
+            <a:avLst/>
+          </a:prstGeom>
+        </p:spPr>
+        <p:txBody>
+          <a:bodyPr vert="horz" lIns="91440" tIns="45720" rIns="91440" bIns="45720" rtlCol="0" anchor="ctr">
+            <a:normAutofit fontScale="97500"/>
+          </a:bodyPr>
+          <a:lstStyle>
+            <a:lvl1pPr algn="l" defTabSz="914400" rtl="0" eaLnBrk="1" latinLnBrk="0" hangingPunct="1">
+              <a:lnSpc>
+                <a:spcPct val="90000"/>
+              </a:lnSpc>
+              <a:spcBef>
+                <a:spcPct val="0"/>
+              </a:spcBef>
+              <a:buNone/>
+              <a:defRPr sz="1800" kern="1200">
+                <a:solidFill>
+                  <a:srgbClr val="008BF9"/>
+                </a:solidFill>
+                <a:latin typeface="Microsoft YaHei"/>
+                <a:ea typeface="Microsoft YaHei"/>
+                <a:cs typeface="Microsoft YaHei"/>
+              </a:defRPr>
+            </a:lvl1pPr>
+          </a:lstStyle>
+          <a:p>
+            <a:r>
+              <a:rPr lang="zh-CN" altLang="en-US" sz="2500" b="1" dirty="0"/>
+              <a:t>云链</a:t>
+            </a:r>
+          </a:p>
+        </p:txBody>
+      </p:sp>
+      <p:sp>
+        <p:nvSpPr>
+          <p:cNvPr id="4" name="文本框 3"/>
+          <p:cNvSpPr txBox="1"/>
+          <p:nvPr/>
+        </p:nvSpPr>
+        <p:spPr>
+          <a:xfrm flipH="1">
+            <a:off x="1097278" y="922459"/>
+            <a:ext cx="3643533" cy="369332"/>
+          </a:xfrm>
+          <a:prstGeom prst="rect">
+            <a:avLst/>
+          </a:prstGeom>
+          <a:noFill/>
+        </p:spPr>
+        <p:txBody>
+          <a:bodyPr wrap="square" rtlCol="0">
+            <a:spAutoFit/>
+          </a:bodyPr>
+          <a:lstStyle/>
+          <a:p>
+            <a:r>
+              <a:rPr kumimoji="1" lang="en-US" altLang="zh-CN" dirty="0" err="1" smtClean="0">
+                <a:solidFill>
+                  <a:srgbClr val="008BF9"/>
+                </a:solidFill>
+                <a:latin typeface="Microsoft YaHei" charset="0"/>
+                <a:ea typeface="Microsoft YaHei" charset="0"/>
+                <a:cs typeface="Microsoft YaHei" charset="0"/>
+              </a:rPr>
+              <a:t>Vue</a:t>
+            </a:r>
+            <a:r>
+              <a:rPr kumimoji="1" lang="zh-CN" altLang="en-US" dirty="0" smtClean="0">
+                <a:solidFill>
+                  <a:srgbClr val="008BF9"/>
+                </a:solidFill>
+                <a:latin typeface="Microsoft YaHei" charset="0"/>
+                <a:ea typeface="Microsoft YaHei" charset="0"/>
+                <a:cs typeface="Microsoft YaHei" charset="0"/>
+              </a:rPr>
+              <a:t>中的虚拟</a:t>
+            </a:r>
+            <a:r>
+              <a:rPr kumimoji="1" lang="en-US" altLang="zh-CN" dirty="0" smtClean="0">
+                <a:solidFill>
+                  <a:srgbClr val="008BF9"/>
+                </a:solidFill>
+                <a:latin typeface="Microsoft YaHei" charset="0"/>
+                <a:ea typeface="Microsoft YaHei" charset="0"/>
+                <a:cs typeface="Microsoft YaHei" charset="0"/>
+              </a:rPr>
+              <a:t>DOM</a:t>
+            </a:r>
+            <a:endParaRPr kumimoji="1" lang="zh-CN" altLang="en-US" dirty="0">
+              <a:solidFill>
+                <a:srgbClr val="008BF9"/>
+              </a:solidFill>
+              <a:latin typeface="Microsoft YaHei" charset="0"/>
+              <a:ea typeface="Microsoft YaHei" charset="0"/>
+              <a:cs typeface="Microsoft YaHei" charset="0"/>
+            </a:endParaRPr>
+          </a:p>
+        </p:txBody>
+      </p:sp>
+    </p:spTree>
+    <p:extLst>
+      <p:ext uri="{BB962C8B-B14F-4D97-AF65-F5344CB8AC3E}">
+        <p14:creationId xmlns:p14="http://schemas.microsoft.com/office/powerpoint/2010/main" val="1488825925"/>
+      </p:ext>
+    </p:extLst>
+  </p:cSld>
+  <p:clrMapOvr>
+    <a:masterClrMapping/>
+  </p:clrMapOvr>
+  <p:timing>
+    <p:tnLst>
+      <p:par>
+        <p:cTn id="1" dur="indefinite" restart="never" nodeType="tmRoot"/>
+      </p:par>
+    </p:tnLst>
+  </p:timing>
+</p:sld>
+</file>
+
+<file path=ppt/slides/slide16.xml><?xml version="1.0" encoding="utf-8"?>
 <p:sld xmlns:a="http://schemas.openxmlformats.org/drawingml/2006/main" xmlns:r="http://schemas.openxmlformats.org/officeDocument/2006/relationships" xmlns:p="http://schemas.openxmlformats.org/presentationml/2006/main">
   <p:cSld>
     <p:spTree>
@@ -4625,7 +4915,7 @@
         <p:spPr>
           <a:xfrm>
             <a:off x="5012761" y="2488328"/>
-            <a:ext cx="2241319" cy="369332"/>
+            <a:ext cx="2778325" cy="369332"/>
           </a:xfrm>
           <a:prstGeom prst="rect">
             <a:avLst/>
@@ -4658,7 +4948,29 @@
                 <a:ea typeface="Microsoft YaHei" charset="0"/>
                 <a:cs typeface="Microsoft YaHei" charset="0"/>
               </a:rPr>
-              <a:t>什么是虚拟</a:t>
+              <a:t>什么</a:t>
+            </a:r>
+            <a:r>
+              <a:rPr kumimoji="1" lang="en-US" altLang="zh-CN" dirty="0" smtClean="0">
+                <a:solidFill>
+                  <a:srgbClr val="008BF9"/>
+                </a:solidFill>
+                <a:latin typeface="Microsoft YaHei" charset="0"/>
+                <a:ea typeface="Microsoft YaHei" charset="0"/>
+                <a:cs typeface="Microsoft YaHei" charset="0"/>
+              </a:rPr>
+              <a:t>DOM</a:t>
+            </a:r>
+            <a:r>
+              <a:rPr kumimoji="1" lang="zh-CN" altLang="en-US" dirty="0" smtClean="0">
+                <a:solidFill>
+                  <a:srgbClr val="008BF9"/>
+                </a:solidFill>
+                <a:latin typeface="Microsoft YaHei" charset="0"/>
+                <a:ea typeface="Microsoft YaHei" charset="0"/>
+                <a:cs typeface="Microsoft YaHei" charset="0"/>
+              </a:rPr>
+              <a:t>和虚拟</a:t>
             </a:r>
             <a:r>
               <a:rPr kumimoji="1" lang="en-US" altLang="zh-CN" dirty="0" smtClean="0">
@@ -4873,7 +5185,7 @@
           <p:cNvPr id="2" name="标题 1">
             <a:extLst>
               <a:ext uri="{FF2B5EF4-FFF2-40B4-BE49-F238E27FC236}">
-                <a16:creationId xmlns="" xmlns:a16="http://schemas.microsoft.com/office/drawing/2014/main" id="{1DA39BA1-519E-4DD2-9A56-C547517D4F27}"/>
+                <a16:creationId xmlns:a16="http://schemas.microsoft.com/office/drawing/2014/main" xmlns="" id="{1DA39BA1-519E-4DD2-9A56-C547517D4F27}"/>
               </a:ext>
             </a:extLst>
           </p:cNvPr>
@@ -5183,7 +5495,7 @@
           <p:cNvPr id="2" name="标题 1">
             <a:extLst>
               <a:ext uri="{FF2B5EF4-FFF2-40B4-BE49-F238E27FC236}">
-                <a16:creationId xmlns="" xmlns:a16="http://schemas.microsoft.com/office/drawing/2014/main" id="{1DA39BA1-519E-4DD2-9A56-C547517D4F27}"/>
+                <a16:creationId xmlns:a16="http://schemas.microsoft.com/office/drawing/2014/main" xmlns="" id="{1DA39BA1-519E-4DD2-9A56-C547517D4F27}"/>
               </a:ext>
             </a:extLst>
           </p:cNvPr>
@@ -5389,7 +5701,7 @@
           <p:cNvPr id="2" name="标题 1">
             <a:extLst>
               <a:ext uri="{FF2B5EF4-FFF2-40B4-BE49-F238E27FC236}">
-                <a16:creationId xmlns="" xmlns:a16="http://schemas.microsoft.com/office/drawing/2014/main" id="{1DA39BA1-519E-4DD2-9A56-C547517D4F27}"/>
+                <a16:creationId xmlns:a16="http://schemas.microsoft.com/office/drawing/2014/main" xmlns="" id="{1DA39BA1-519E-4DD2-9A56-C547517D4F27}"/>
               </a:ext>
             </a:extLst>
           </p:cNvPr>
@@ -5537,7 +5849,7 @@
           <p:cNvPr id="2" name="标题 1">
             <a:extLst>
               <a:ext uri="{FF2B5EF4-FFF2-40B4-BE49-F238E27FC236}">
-                <a16:creationId xmlns="" xmlns:a16="http://schemas.microsoft.com/office/drawing/2014/main" id="{1DA39BA1-519E-4DD2-9A56-C547517D4F27}"/>
+                <a16:creationId xmlns:a16="http://schemas.microsoft.com/office/drawing/2014/main" xmlns="" id="{1DA39BA1-519E-4DD2-9A56-C547517D4F27}"/>
               </a:ext>
             </a:extLst>
           </p:cNvPr>
@@ -5743,7 +6055,7 @@
           <p:cNvPr id="2" name="标题 1">
             <a:extLst>
               <a:ext uri="{FF2B5EF4-FFF2-40B4-BE49-F238E27FC236}">
-                <a16:creationId xmlns="" xmlns:a16="http://schemas.microsoft.com/office/drawing/2014/main" id="{1DA39BA1-519E-4DD2-9A56-C547517D4F27}"/>
+                <a16:creationId xmlns:a16="http://schemas.microsoft.com/office/drawing/2014/main" xmlns="" id="{1DA39BA1-519E-4DD2-9A56-C547517D4F27}"/>
               </a:ext>
             </a:extLst>
           </p:cNvPr>
@@ -6124,7 +6436,7 @@
           <p:cNvPr id="2" name="标题 1">
             <a:extLst>
               <a:ext uri="{FF2B5EF4-FFF2-40B4-BE49-F238E27FC236}">
-                <a16:creationId xmlns="" xmlns:a16="http://schemas.microsoft.com/office/drawing/2014/main" id="{1DA39BA1-519E-4DD2-9A56-C547517D4F27}"/>
+                <a16:creationId xmlns:a16="http://schemas.microsoft.com/office/drawing/2014/main" xmlns="" id="{1DA39BA1-519E-4DD2-9A56-C547517D4F27}"/>
               </a:ext>
             </a:extLst>
           </p:cNvPr>
@@ -6756,7 +7068,7 @@
           <p:cNvPr id="2" name="标题 1">
             <a:extLst>
               <a:ext uri="{FF2B5EF4-FFF2-40B4-BE49-F238E27FC236}">
-                <a16:creationId xmlns="" xmlns:a16="http://schemas.microsoft.com/office/drawing/2014/main" id="{1DA39BA1-519E-4DD2-9A56-C547517D4F27}"/>
+                <a16:creationId xmlns:a16="http://schemas.microsoft.com/office/drawing/2014/main" xmlns="" id="{1DA39BA1-519E-4DD2-9A56-C547517D4F27}"/>
               </a:ext>
             </a:extLst>
           </p:cNvPr>
